--- a/搜索推荐广告/检索系统/信息检索系统前言/素材.pptx
+++ b/搜索推荐广告/检索系统/信息检索系统前言/素材.pptx
@@ -109,6 +109,11 @@
       </a:defRPr>
     </a:lvl9pPr>
   </p:defaultTextStyle>
+  <p:extLst>
+    <p:ext uri="{EFAFB233-063F-42B5-8137-9DF3F51BA10A}">
+      <p15:sldGuideLst xmlns:p15="http://schemas.microsoft.com/office/powerpoint/2012/main"/>
+    </p:ext>
+  </p:extLst>
 </p:presentation>
 </file>
 
@@ -259,7 +264,7 @@
           <a:p>
             <a:fld id="{64CCC79A-9F7C-4306-A709-BF5D57071B81}" type="datetimeFigureOut">
               <a:rPr lang="zh-CN" altLang="en-US" smtClean="0"/>
-              <a:t>2021/3/7 Sunday</a:t>
+              <a:t>2021/3/28 Sunday</a:t>
             </a:fld>
             <a:endParaRPr lang="zh-CN" altLang="en-US"/>
           </a:p>
@@ -457,7 +462,7 @@
           <a:p>
             <a:fld id="{64CCC79A-9F7C-4306-A709-BF5D57071B81}" type="datetimeFigureOut">
               <a:rPr lang="zh-CN" altLang="en-US" smtClean="0"/>
-              <a:t>2021/3/7 Sunday</a:t>
+              <a:t>2021/3/28 Sunday</a:t>
             </a:fld>
             <a:endParaRPr lang="zh-CN" altLang="en-US"/>
           </a:p>
@@ -665,7 +670,7 @@
           <a:p>
             <a:fld id="{64CCC79A-9F7C-4306-A709-BF5D57071B81}" type="datetimeFigureOut">
               <a:rPr lang="zh-CN" altLang="en-US" smtClean="0"/>
-              <a:t>2021/3/7 Sunday</a:t>
+              <a:t>2021/3/28 Sunday</a:t>
             </a:fld>
             <a:endParaRPr lang="zh-CN" altLang="en-US"/>
           </a:p>
@@ -863,7 +868,7 @@
           <a:p>
             <a:fld id="{64CCC79A-9F7C-4306-A709-BF5D57071B81}" type="datetimeFigureOut">
               <a:rPr lang="zh-CN" altLang="en-US" smtClean="0"/>
-              <a:t>2021/3/7 Sunday</a:t>
+              <a:t>2021/3/28 Sunday</a:t>
             </a:fld>
             <a:endParaRPr lang="zh-CN" altLang="en-US"/>
           </a:p>
@@ -1138,7 +1143,7 @@
           <a:p>
             <a:fld id="{64CCC79A-9F7C-4306-A709-BF5D57071B81}" type="datetimeFigureOut">
               <a:rPr lang="zh-CN" altLang="en-US" smtClean="0"/>
-              <a:t>2021/3/7 Sunday</a:t>
+              <a:t>2021/3/28 Sunday</a:t>
             </a:fld>
             <a:endParaRPr lang="zh-CN" altLang="en-US"/>
           </a:p>
@@ -1403,7 +1408,7 @@
           <a:p>
             <a:fld id="{64CCC79A-9F7C-4306-A709-BF5D57071B81}" type="datetimeFigureOut">
               <a:rPr lang="zh-CN" altLang="en-US" smtClean="0"/>
-              <a:t>2021/3/7 Sunday</a:t>
+              <a:t>2021/3/28 Sunday</a:t>
             </a:fld>
             <a:endParaRPr lang="zh-CN" altLang="en-US"/>
           </a:p>
@@ -1815,7 +1820,7 @@
           <a:p>
             <a:fld id="{64CCC79A-9F7C-4306-A709-BF5D57071B81}" type="datetimeFigureOut">
               <a:rPr lang="zh-CN" altLang="en-US" smtClean="0"/>
-              <a:t>2021/3/7 Sunday</a:t>
+              <a:t>2021/3/28 Sunday</a:t>
             </a:fld>
             <a:endParaRPr lang="zh-CN" altLang="en-US"/>
           </a:p>
@@ -1956,7 +1961,7 @@
           <a:p>
             <a:fld id="{64CCC79A-9F7C-4306-A709-BF5D57071B81}" type="datetimeFigureOut">
               <a:rPr lang="zh-CN" altLang="en-US" smtClean="0"/>
-              <a:t>2021/3/7 Sunday</a:t>
+              <a:t>2021/3/28 Sunday</a:t>
             </a:fld>
             <a:endParaRPr lang="zh-CN" altLang="en-US"/>
           </a:p>
@@ -2069,7 +2074,7 @@
           <a:p>
             <a:fld id="{64CCC79A-9F7C-4306-A709-BF5D57071B81}" type="datetimeFigureOut">
               <a:rPr lang="zh-CN" altLang="en-US" smtClean="0"/>
-              <a:t>2021/3/7 Sunday</a:t>
+              <a:t>2021/3/28 Sunday</a:t>
             </a:fld>
             <a:endParaRPr lang="zh-CN" altLang="en-US"/>
           </a:p>
@@ -2380,7 +2385,7 @@
           <a:p>
             <a:fld id="{64CCC79A-9F7C-4306-A709-BF5D57071B81}" type="datetimeFigureOut">
               <a:rPr lang="zh-CN" altLang="en-US" smtClean="0"/>
-              <a:t>2021/3/7 Sunday</a:t>
+              <a:t>2021/3/28 Sunday</a:t>
             </a:fld>
             <a:endParaRPr lang="zh-CN" altLang="en-US"/>
           </a:p>
@@ -2668,7 +2673,7 @@
           <a:p>
             <a:fld id="{64CCC79A-9F7C-4306-A709-BF5D57071B81}" type="datetimeFigureOut">
               <a:rPr lang="zh-CN" altLang="en-US" smtClean="0"/>
-              <a:t>2021/3/7 Sunday</a:t>
+              <a:t>2021/3/28 Sunday</a:t>
             </a:fld>
             <a:endParaRPr lang="zh-CN" altLang="en-US"/>
           </a:p>
@@ -2909,7 +2914,7 @@
           <a:p>
             <a:fld id="{64CCC79A-9F7C-4306-A709-BF5D57071B81}" type="datetimeFigureOut">
               <a:rPr lang="zh-CN" altLang="en-US" smtClean="0"/>
-              <a:t>2021/3/7 Sunday</a:t>
+              <a:t>2021/3/28 Sunday</a:t>
             </a:fld>
             <a:endParaRPr lang="zh-CN" altLang="en-US"/>
           </a:p>
@@ -5503,6 +5508,714 @@
           <a:chExt cx="0" cy="0"/>
         </a:xfrm>
       </p:grpSpPr>
+      <p:grpSp>
+        <p:nvGrpSpPr>
+          <p:cNvPr id="31" name="组合 30">
+            <a:extLst>
+              <a:ext uri="{FF2B5EF4-FFF2-40B4-BE49-F238E27FC236}">
+                <a16:creationId xmlns:a16="http://schemas.microsoft.com/office/drawing/2014/main" id="{E070387D-C396-489D-8E9D-0A95A435B76C}"/>
+              </a:ext>
+            </a:extLst>
+          </p:cNvPr>
+          <p:cNvGrpSpPr/>
+          <p:nvPr/>
+        </p:nvGrpSpPr>
+        <p:grpSpPr>
+          <a:xfrm>
+            <a:off x="451412" y="-510651"/>
+            <a:ext cx="10995950" cy="7236292"/>
+            <a:chOff x="451412" y="-510651"/>
+            <a:chExt cx="10995950" cy="7236292"/>
+          </a:xfrm>
+        </p:grpSpPr>
+        <p:sp>
+          <p:nvSpPr>
+            <p:cNvPr id="2" name="矩形: 圆角 1">
+              <a:extLst>
+                <a:ext uri="{FF2B5EF4-FFF2-40B4-BE49-F238E27FC236}">
+                  <a16:creationId xmlns:a16="http://schemas.microsoft.com/office/drawing/2014/main" id="{78E9AE6F-64BC-4459-A834-066F8BB1A83E}"/>
+                </a:ext>
+              </a:extLst>
+            </p:cNvPr>
+            <p:cNvSpPr/>
+            <p:nvPr/>
+          </p:nvSpPr>
+          <p:spPr>
+            <a:xfrm>
+              <a:off x="2126740" y="1716502"/>
+              <a:ext cx="3499555" cy="857956"/>
+            </a:xfrm>
+            <a:prstGeom prst="roundRect">
+              <a:avLst/>
+            </a:prstGeom>
+            <a:solidFill>
+              <a:schemeClr val="accent6">
+                <a:lumMod val="60000"/>
+                <a:lumOff val="40000"/>
+              </a:schemeClr>
+            </a:solidFill>
+            <a:ln>
+              <a:noFill/>
+            </a:ln>
+          </p:spPr>
+          <p:style>
+            <a:lnRef idx="2">
+              <a:schemeClr val="accent1">
+                <a:shade val="50000"/>
+              </a:schemeClr>
+            </a:lnRef>
+            <a:fillRef idx="1">
+              <a:schemeClr val="accent1"/>
+            </a:fillRef>
+            <a:effectRef idx="0">
+              <a:schemeClr val="accent1"/>
+            </a:effectRef>
+            <a:fontRef idx="minor">
+              <a:schemeClr val="lt1"/>
+            </a:fontRef>
+          </p:style>
+          <p:txBody>
+            <a:bodyPr rtlCol="0" anchor="ctr"/>
+            <a:lstStyle/>
+            <a:p>
+              <a:pPr algn="ctr"/>
+              <a:r>
+                <a:rPr lang="zh-CN" altLang="en-US" sz="2000" dirty="0"/>
+                <a:t>高质量，高时效性库层</a:t>
+              </a:r>
+            </a:p>
+          </p:txBody>
+        </p:sp>
+        <p:sp>
+          <p:nvSpPr>
+            <p:cNvPr id="5" name="矩形: 圆角 4">
+              <a:extLst>
+                <a:ext uri="{FF2B5EF4-FFF2-40B4-BE49-F238E27FC236}">
+                  <a16:creationId xmlns:a16="http://schemas.microsoft.com/office/drawing/2014/main" id="{F3F66B33-9268-489F-A2D0-51DF1B8A44F2}"/>
+                </a:ext>
+              </a:extLst>
+            </p:cNvPr>
+            <p:cNvSpPr/>
+            <p:nvPr/>
+          </p:nvSpPr>
+          <p:spPr>
+            <a:xfrm>
+              <a:off x="2126740" y="3059534"/>
+              <a:ext cx="5081501" cy="857956"/>
+            </a:xfrm>
+            <a:prstGeom prst="roundRect">
+              <a:avLst/>
+            </a:prstGeom>
+            <a:solidFill>
+              <a:schemeClr val="accent6">
+                <a:lumMod val="60000"/>
+                <a:lumOff val="40000"/>
+              </a:schemeClr>
+            </a:solidFill>
+            <a:ln>
+              <a:noFill/>
+            </a:ln>
+          </p:spPr>
+          <p:style>
+            <a:lnRef idx="2">
+              <a:schemeClr val="accent1">
+                <a:shade val="50000"/>
+              </a:schemeClr>
+            </a:lnRef>
+            <a:fillRef idx="1">
+              <a:schemeClr val="accent1"/>
+            </a:fillRef>
+            <a:effectRef idx="0">
+              <a:schemeClr val="accent1"/>
+            </a:effectRef>
+            <a:fontRef idx="minor">
+              <a:schemeClr val="lt1"/>
+            </a:fontRef>
+          </p:style>
+          <p:txBody>
+            <a:bodyPr rtlCol="0" anchor="ctr"/>
+            <a:lstStyle/>
+            <a:p>
+              <a:pPr algn="ctr"/>
+              <a:r>
+                <a:rPr lang="zh-CN" altLang="en-US" dirty="0"/>
+                <a:t>中等质量库层</a:t>
+              </a:r>
+            </a:p>
+          </p:txBody>
+        </p:sp>
+        <p:cxnSp>
+          <p:nvCxnSpPr>
+            <p:cNvPr id="8" name="直接连接符 7">
+              <a:extLst>
+                <a:ext uri="{FF2B5EF4-FFF2-40B4-BE49-F238E27FC236}">
+                  <a16:creationId xmlns:a16="http://schemas.microsoft.com/office/drawing/2014/main" id="{36E7EF81-719D-4747-996A-41422471D81B}"/>
+                </a:ext>
+              </a:extLst>
+            </p:cNvPr>
+            <p:cNvCxnSpPr>
+              <a:cxnSpLocks/>
+            </p:cNvCxnSpPr>
+            <p:nvPr/>
+          </p:nvCxnSpPr>
+          <p:spPr>
+            <a:xfrm>
+              <a:off x="451412" y="5333892"/>
+              <a:ext cx="10995950" cy="0"/>
+            </a:xfrm>
+            <a:prstGeom prst="line">
+              <a:avLst/>
+            </a:prstGeom>
+            <a:ln w="38100">
+              <a:prstDash val="dash"/>
+            </a:ln>
+          </p:spPr>
+          <p:style>
+            <a:lnRef idx="1">
+              <a:schemeClr val="accent1"/>
+            </a:lnRef>
+            <a:fillRef idx="0">
+              <a:schemeClr val="accent1"/>
+            </a:fillRef>
+            <a:effectRef idx="0">
+              <a:schemeClr val="accent1"/>
+            </a:effectRef>
+            <a:fontRef idx="minor">
+              <a:schemeClr val="tx1"/>
+            </a:fontRef>
+          </p:style>
+        </p:cxnSp>
+        <p:sp>
+          <p:nvSpPr>
+            <p:cNvPr id="6" name="矩形: 圆角 5">
+              <a:extLst>
+                <a:ext uri="{FF2B5EF4-FFF2-40B4-BE49-F238E27FC236}">
+                  <a16:creationId xmlns:a16="http://schemas.microsoft.com/office/drawing/2014/main" id="{523A7F57-7A41-4955-8F4F-CAAD3677C1D5}"/>
+                </a:ext>
+              </a:extLst>
+            </p:cNvPr>
+            <p:cNvSpPr/>
+            <p:nvPr/>
+          </p:nvSpPr>
+          <p:spPr>
+            <a:xfrm>
+              <a:off x="2126740" y="4275165"/>
+              <a:ext cx="7475532" cy="1267071"/>
+            </a:xfrm>
+            <a:prstGeom prst="roundRect">
+              <a:avLst/>
+            </a:prstGeom>
+            <a:solidFill>
+              <a:schemeClr val="accent6">
+                <a:lumMod val="60000"/>
+                <a:lumOff val="40000"/>
+              </a:schemeClr>
+            </a:solidFill>
+            <a:ln>
+              <a:noFill/>
+            </a:ln>
+          </p:spPr>
+          <p:style>
+            <a:lnRef idx="2">
+              <a:schemeClr val="accent1">
+                <a:shade val="50000"/>
+              </a:schemeClr>
+            </a:lnRef>
+            <a:fillRef idx="1">
+              <a:schemeClr val="accent1"/>
+            </a:fillRef>
+            <a:effectRef idx="0">
+              <a:schemeClr val="accent1"/>
+            </a:effectRef>
+            <a:fontRef idx="minor">
+              <a:schemeClr val="lt1"/>
+            </a:fontRef>
+          </p:style>
+          <p:txBody>
+            <a:bodyPr rtlCol="0" anchor="ctr"/>
+            <a:lstStyle/>
+            <a:p>
+              <a:pPr algn="ctr"/>
+              <a:r>
+                <a:rPr lang="zh-CN" altLang="en-US" dirty="0"/>
+                <a:t>海量低质量资源库层</a:t>
+              </a:r>
+            </a:p>
+          </p:txBody>
+        </p:sp>
+        <p:sp>
+          <p:nvSpPr>
+            <p:cNvPr id="12" name="文本框 11">
+              <a:extLst>
+                <a:ext uri="{FF2B5EF4-FFF2-40B4-BE49-F238E27FC236}">
+                  <a16:creationId xmlns:a16="http://schemas.microsoft.com/office/drawing/2014/main" id="{0CED3F08-3D60-4258-9067-2D022C4BC47B}"/>
+                </a:ext>
+              </a:extLst>
+            </p:cNvPr>
+            <p:cNvSpPr txBox="1"/>
+            <p:nvPr/>
+          </p:nvSpPr>
+          <p:spPr>
+            <a:xfrm>
+              <a:off x="451412" y="3250450"/>
+              <a:ext cx="1516284" cy="1477328"/>
+            </a:xfrm>
+            <a:prstGeom prst="rect">
+              <a:avLst/>
+            </a:prstGeom>
+            <a:noFill/>
+          </p:spPr>
+          <p:txBody>
+            <a:bodyPr wrap="square" rtlCol="0">
+              <a:spAutoFit/>
+            </a:bodyPr>
+            <a:lstStyle/>
+            <a:p>
+              <a:r>
+                <a:rPr lang="zh-CN" altLang="en-US" dirty="0"/>
+                <a:t>可以被网络爬虫爬取到的资源，可以用搜索引擎进行检索</a:t>
+              </a:r>
+            </a:p>
+          </p:txBody>
+        </p:sp>
+        <p:sp>
+          <p:nvSpPr>
+            <p:cNvPr id="13" name="文本框 12">
+              <a:extLst>
+                <a:ext uri="{FF2B5EF4-FFF2-40B4-BE49-F238E27FC236}">
+                  <a16:creationId xmlns:a16="http://schemas.microsoft.com/office/drawing/2014/main" id="{3CB0C44B-30AB-4218-B416-E12F6FCE7FD6}"/>
+                </a:ext>
+              </a:extLst>
+            </p:cNvPr>
+            <p:cNvSpPr txBox="1"/>
+            <p:nvPr/>
+          </p:nvSpPr>
+          <p:spPr>
+            <a:xfrm>
+              <a:off x="451412" y="5802311"/>
+              <a:ext cx="4305783" cy="923330"/>
+            </a:xfrm>
+            <a:prstGeom prst="rect">
+              <a:avLst/>
+            </a:prstGeom>
+            <a:noFill/>
+          </p:spPr>
+          <p:txBody>
+            <a:bodyPr wrap="square" rtlCol="0">
+              <a:spAutoFit/>
+            </a:bodyPr>
+            <a:lstStyle/>
+            <a:p>
+              <a:r>
+                <a:rPr lang="zh-CN" altLang="en-US" dirty="0"/>
+                <a:t>无法被网络爬虫爬取的资源，也就是所谓的深网（</a:t>
+              </a:r>
+              <a:r>
+                <a:rPr lang="en-US" altLang="zh-CN" dirty="0"/>
+                <a:t>Deep network</a:t>
+              </a:r>
+              <a:r>
+                <a:rPr lang="zh-CN" altLang="en-US" dirty="0"/>
+                <a:t>），整个互联网资源中大部分难以被直接爬取</a:t>
+              </a:r>
+            </a:p>
+          </p:txBody>
+        </p:sp>
+        <p:sp>
+          <p:nvSpPr>
+            <p:cNvPr id="14" name="箭头: 下 13">
+              <a:extLst>
+                <a:ext uri="{FF2B5EF4-FFF2-40B4-BE49-F238E27FC236}">
+                  <a16:creationId xmlns:a16="http://schemas.microsoft.com/office/drawing/2014/main" id="{0C882B72-EDC4-4DD2-BD60-44E708082BE3}"/>
+                </a:ext>
+              </a:extLst>
+            </p:cNvPr>
+            <p:cNvSpPr/>
+            <p:nvPr/>
+          </p:nvSpPr>
+          <p:spPr>
+            <a:xfrm>
+              <a:off x="4988731" y="-510651"/>
+              <a:ext cx="2803093" cy="857956"/>
+            </a:xfrm>
+            <a:prstGeom prst="downArrow">
+              <a:avLst/>
+            </a:prstGeom>
+            <a:solidFill>
+              <a:schemeClr val="accent4">
+                <a:lumMod val="60000"/>
+                <a:lumOff val="40000"/>
+              </a:schemeClr>
+            </a:solidFill>
+            <a:ln>
+              <a:noFill/>
+            </a:ln>
+          </p:spPr>
+          <p:style>
+            <a:lnRef idx="2">
+              <a:schemeClr val="accent1">
+                <a:shade val="50000"/>
+              </a:schemeClr>
+            </a:lnRef>
+            <a:fillRef idx="1">
+              <a:schemeClr val="accent1"/>
+            </a:fillRef>
+            <a:effectRef idx="0">
+              <a:schemeClr val="accent1"/>
+            </a:effectRef>
+            <a:fontRef idx="minor">
+              <a:schemeClr val="lt1"/>
+            </a:fontRef>
+          </p:style>
+          <p:txBody>
+            <a:bodyPr rtlCol="0" anchor="ctr"/>
+            <a:lstStyle/>
+            <a:p>
+              <a:pPr algn="ctr"/>
+              <a:endParaRPr lang="zh-CN" altLang="en-US"/>
+            </a:p>
+          </p:txBody>
+        </p:sp>
+        <p:cxnSp>
+          <p:nvCxnSpPr>
+            <p:cNvPr id="16" name="直接连接符 15">
+              <a:extLst>
+                <a:ext uri="{FF2B5EF4-FFF2-40B4-BE49-F238E27FC236}">
+                  <a16:creationId xmlns:a16="http://schemas.microsoft.com/office/drawing/2014/main" id="{F29CEC22-6B7D-4047-AA7E-5A1D5B875863}"/>
+                </a:ext>
+              </a:extLst>
+            </p:cNvPr>
+            <p:cNvCxnSpPr>
+              <a:cxnSpLocks/>
+            </p:cNvCxnSpPr>
+            <p:nvPr/>
+          </p:nvCxnSpPr>
+          <p:spPr>
+            <a:xfrm>
+              <a:off x="3851311" y="386745"/>
+              <a:ext cx="4807525" cy="0"/>
+            </a:xfrm>
+            <a:prstGeom prst="line">
+              <a:avLst/>
+            </a:prstGeom>
+            <a:ln w="25400">
+              <a:solidFill>
+                <a:schemeClr val="accent4">
+                  <a:lumMod val="60000"/>
+                  <a:lumOff val="40000"/>
+                </a:schemeClr>
+              </a:solidFill>
+            </a:ln>
+          </p:spPr>
+          <p:style>
+            <a:lnRef idx="1">
+              <a:schemeClr val="accent1"/>
+            </a:lnRef>
+            <a:fillRef idx="0">
+              <a:schemeClr val="accent1"/>
+            </a:fillRef>
+            <a:effectRef idx="0">
+              <a:schemeClr val="accent1"/>
+            </a:effectRef>
+            <a:fontRef idx="minor">
+              <a:schemeClr val="tx1"/>
+            </a:fontRef>
+          </p:style>
+        </p:cxnSp>
+        <p:cxnSp>
+          <p:nvCxnSpPr>
+            <p:cNvPr id="18" name="直接箭头连接符 17">
+              <a:extLst>
+                <a:ext uri="{FF2B5EF4-FFF2-40B4-BE49-F238E27FC236}">
+                  <a16:creationId xmlns:a16="http://schemas.microsoft.com/office/drawing/2014/main" id="{0E366BC2-73C1-456D-8589-F07C1786C03C}"/>
+                </a:ext>
+              </a:extLst>
+            </p:cNvPr>
+            <p:cNvCxnSpPr>
+              <a:cxnSpLocks/>
+            </p:cNvCxnSpPr>
+            <p:nvPr/>
+          </p:nvCxnSpPr>
+          <p:spPr>
+            <a:xfrm>
+              <a:off x="3851312" y="386745"/>
+              <a:ext cx="0" cy="1336395"/>
+            </a:xfrm>
+            <a:prstGeom prst="straightConnector1">
+              <a:avLst/>
+            </a:prstGeom>
+            <a:ln w="25400">
+              <a:solidFill>
+                <a:schemeClr val="accent4">
+                  <a:lumMod val="60000"/>
+                  <a:lumOff val="40000"/>
+                </a:schemeClr>
+              </a:solidFill>
+              <a:tailEnd type="triangle"/>
+            </a:ln>
+          </p:spPr>
+          <p:style>
+            <a:lnRef idx="1">
+              <a:schemeClr val="accent1"/>
+            </a:lnRef>
+            <a:fillRef idx="0">
+              <a:schemeClr val="accent1"/>
+            </a:fillRef>
+            <a:effectRef idx="0">
+              <a:schemeClr val="accent1"/>
+            </a:effectRef>
+            <a:fontRef idx="minor">
+              <a:schemeClr val="tx1"/>
+            </a:fontRef>
+          </p:style>
+        </p:cxnSp>
+        <p:cxnSp>
+          <p:nvCxnSpPr>
+            <p:cNvPr id="22" name="直接箭头连接符 21">
+              <a:extLst>
+                <a:ext uri="{FF2B5EF4-FFF2-40B4-BE49-F238E27FC236}">
+                  <a16:creationId xmlns:a16="http://schemas.microsoft.com/office/drawing/2014/main" id="{A6425BCB-90C2-418D-80CB-EF2D9F9233A2}"/>
+                </a:ext>
+              </a:extLst>
+            </p:cNvPr>
+            <p:cNvCxnSpPr>
+              <a:cxnSpLocks/>
+            </p:cNvCxnSpPr>
+            <p:nvPr/>
+          </p:nvCxnSpPr>
+          <p:spPr>
+            <a:xfrm>
+              <a:off x="6390278" y="386745"/>
+              <a:ext cx="0" cy="2672789"/>
+            </a:xfrm>
+            <a:prstGeom prst="straightConnector1">
+              <a:avLst/>
+            </a:prstGeom>
+            <a:ln w="25400">
+              <a:solidFill>
+                <a:schemeClr val="accent4">
+                  <a:lumMod val="60000"/>
+                  <a:lumOff val="40000"/>
+                </a:schemeClr>
+              </a:solidFill>
+              <a:tailEnd type="triangle"/>
+            </a:ln>
+          </p:spPr>
+          <p:style>
+            <a:lnRef idx="1">
+              <a:schemeClr val="accent1"/>
+            </a:lnRef>
+            <a:fillRef idx="0">
+              <a:schemeClr val="accent1"/>
+            </a:fillRef>
+            <a:effectRef idx="0">
+              <a:schemeClr val="accent1"/>
+            </a:effectRef>
+            <a:fontRef idx="minor">
+              <a:schemeClr val="tx1"/>
+            </a:fontRef>
+          </p:style>
+        </p:cxnSp>
+        <p:cxnSp>
+          <p:nvCxnSpPr>
+            <p:cNvPr id="24" name="直接箭头连接符 23">
+              <a:extLst>
+                <a:ext uri="{FF2B5EF4-FFF2-40B4-BE49-F238E27FC236}">
+                  <a16:creationId xmlns:a16="http://schemas.microsoft.com/office/drawing/2014/main" id="{405C9DD3-108D-4C34-9A17-DFAAB20DB858}"/>
+                </a:ext>
+              </a:extLst>
+            </p:cNvPr>
+            <p:cNvCxnSpPr>
+              <a:cxnSpLocks/>
+            </p:cNvCxnSpPr>
+            <p:nvPr/>
+          </p:nvCxnSpPr>
+          <p:spPr>
+            <a:xfrm>
+              <a:off x="8658836" y="380107"/>
+              <a:ext cx="0" cy="3895058"/>
+            </a:xfrm>
+            <a:prstGeom prst="straightConnector1">
+              <a:avLst/>
+            </a:prstGeom>
+            <a:ln w="25400">
+              <a:solidFill>
+                <a:schemeClr val="accent4">
+                  <a:lumMod val="60000"/>
+                  <a:lumOff val="40000"/>
+                </a:schemeClr>
+              </a:solidFill>
+              <a:tailEnd type="triangle"/>
+            </a:ln>
+          </p:spPr>
+          <p:style>
+            <a:lnRef idx="1">
+              <a:schemeClr val="accent1"/>
+            </a:lnRef>
+            <a:fillRef idx="0">
+              <a:schemeClr val="accent1"/>
+            </a:fillRef>
+            <a:effectRef idx="0">
+              <a:schemeClr val="accent1"/>
+            </a:effectRef>
+            <a:fontRef idx="minor">
+              <a:schemeClr val="tx1"/>
+            </a:fontRef>
+          </p:style>
+        </p:cxnSp>
+        <p:sp>
+          <p:nvSpPr>
+            <p:cNvPr id="26" name="文本框 25">
+              <a:extLst>
+                <a:ext uri="{FF2B5EF4-FFF2-40B4-BE49-F238E27FC236}">
+                  <a16:creationId xmlns:a16="http://schemas.microsoft.com/office/drawing/2014/main" id="{16A50320-16FA-48DF-A873-EB318D760092}"/>
+                </a:ext>
+              </a:extLst>
+            </p:cNvPr>
+            <p:cNvSpPr txBox="1"/>
+            <p:nvPr/>
+          </p:nvSpPr>
+          <p:spPr>
+            <a:xfrm>
+              <a:off x="5626295" y="-266339"/>
+              <a:ext cx="1827541" cy="369332"/>
+            </a:xfrm>
+            <a:prstGeom prst="rect">
+              <a:avLst/>
+            </a:prstGeom>
+            <a:noFill/>
+          </p:spPr>
+          <p:txBody>
+            <a:bodyPr wrap="square" rtlCol="0">
+              <a:spAutoFit/>
+            </a:bodyPr>
+            <a:lstStyle/>
+            <a:p>
+              <a:r>
+                <a:rPr lang="zh-CN" altLang="en-US" dirty="0"/>
+                <a:t>一次信息检索</a:t>
+              </a:r>
+            </a:p>
+          </p:txBody>
+        </p:sp>
+        <p:sp>
+          <p:nvSpPr>
+            <p:cNvPr id="27" name="文本框 26">
+              <a:extLst>
+                <a:ext uri="{FF2B5EF4-FFF2-40B4-BE49-F238E27FC236}">
+                  <a16:creationId xmlns:a16="http://schemas.microsoft.com/office/drawing/2014/main" id="{16F23DA6-1F25-4FF3-AA1E-9B9043053B9E}"/>
+                </a:ext>
+              </a:extLst>
+            </p:cNvPr>
+            <p:cNvSpPr txBox="1"/>
+            <p:nvPr/>
+          </p:nvSpPr>
+          <p:spPr>
+            <a:xfrm>
+              <a:off x="2366088" y="724426"/>
+              <a:ext cx="1516284" cy="923330"/>
+            </a:xfrm>
+            <a:prstGeom prst="rect">
+              <a:avLst/>
+            </a:prstGeom>
+            <a:noFill/>
+          </p:spPr>
+          <p:txBody>
+            <a:bodyPr wrap="square" rtlCol="0">
+              <a:spAutoFit/>
+            </a:bodyPr>
+            <a:lstStyle/>
+            <a:p>
+              <a:r>
+                <a:rPr lang="en-US" altLang="zh-CN" dirty="0"/>
+                <a:t>1. </a:t>
+              </a:r>
+              <a:r>
+                <a:rPr lang="zh-CN" altLang="en-US" dirty="0"/>
+                <a:t>首先在高质量库层进行检索</a:t>
+              </a:r>
+            </a:p>
+          </p:txBody>
+        </p:sp>
+        <p:sp>
+          <p:nvSpPr>
+            <p:cNvPr id="29" name="文本框 28">
+              <a:extLst>
+                <a:ext uri="{FF2B5EF4-FFF2-40B4-BE49-F238E27FC236}">
+                  <a16:creationId xmlns:a16="http://schemas.microsoft.com/office/drawing/2014/main" id="{52C11F45-64B3-437F-AFF1-57AFC8F11A81}"/>
+                </a:ext>
+              </a:extLst>
+            </p:cNvPr>
+            <p:cNvSpPr txBox="1"/>
+            <p:nvPr/>
+          </p:nvSpPr>
+          <p:spPr>
+            <a:xfrm>
+              <a:off x="6390276" y="588069"/>
+              <a:ext cx="1788513" cy="1477328"/>
+            </a:xfrm>
+            <a:prstGeom prst="rect">
+              <a:avLst/>
+            </a:prstGeom>
+            <a:noFill/>
+          </p:spPr>
+          <p:txBody>
+            <a:bodyPr wrap="square" rtlCol="0">
+              <a:spAutoFit/>
+            </a:bodyPr>
+            <a:lstStyle/>
+            <a:p>
+              <a:r>
+                <a:rPr lang="en-US" altLang="zh-CN" dirty="0"/>
+                <a:t>2. </a:t>
+              </a:r>
+              <a:r>
+                <a:rPr lang="zh-CN" altLang="en-US" dirty="0"/>
+                <a:t>如果没有在高质量库层检索到足够的资源，穿透到中等质量库层</a:t>
+              </a:r>
+            </a:p>
+          </p:txBody>
+        </p:sp>
+        <p:sp>
+          <p:nvSpPr>
+            <p:cNvPr id="30" name="文本框 29">
+              <a:extLst>
+                <a:ext uri="{FF2B5EF4-FFF2-40B4-BE49-F238E27FC236}">
+                  <a16:creationId xmlns:a16="http://schemas.microsoft.com/office/drawing/2014/main" id="{FB5B8DBA-000A-4047-AE84-C8FF9A77A939}"/>
+                </a:ext>
+              </a:extLst>
+            </p:cNvPr>
+            <p:cNvSpPr txBox="1"/>
+            <p:nvPr/>
+          </p:nvSpPr>
+          <p:spPr>
+            <a:xfrm>
+              <a:off x="8784999" y="447427"/>
+              <a:ext cx="1788513" cy="1477328"/>
+            </a:xfrm>
+            <a:prstGeom prst="rect">
+              <a:avLst/>
+            </a:prstGeom>
+            <a:noFill/>
+          </p:spPr>
+          <p:txBody>
+            <a:bodyPr wrap="square" rtlCol="0">
+              <a:spAutoFit/>
+            </a:bodyPr>
+            <a:lstStyle/>
+            <a:p>
+              <a:r>
+                <a:rPr lang="en-US" altLang="zh-CN" dirty="0"/>
+                <a:t>3. </a:t>
+              </a:r>
+              <a:r>
+                <a:rPr lang="zh-CN" altLang="en-US" dirty="0"/>
+                <a:t>如果前两步都没有检索到足够信息，在海量信息中检索信息进行兜底</a:t>
+              </a:r>
+            </a:p>
+          </p:txBody>
+        </p:sp>
+      </p:grpSp>
     </p:spTree>
     <p:extLst>
       <p:ext uri="{BB962C8B-B14F-4D97-AF65-F5344CB8AC3E}">

--- a/搜索推荐广告/检索系统/信息检索系统前言/素材.pptx
+++ b/搜索推荐广告/检索系统/信息检索系统前言/素材.pptx
@@ -264,7 +264,7 @@
           <a:p>
             <a:fld id="{64CCC79A-9F7C-4306-A709-BF5D57071B81}" type="datetimeFigureOut">
               <a:rPr lang="zh-CN" altLang="en-US" smtClean="0"/>
-              <a:t>2021/3/28 Sunday</a:t>
+              <a:t>2021/5/3 Monday</a:t>
             </a:fld>
             <a:endParaRPr lang="zh-CN" altLang="en-US"/>
           </a:p>
@@ -462,7 +462,7 @@
           <a:p>
             <a:fld id="{64CCC79A-9F7C-4306-A709-BF5D57071B81}" type="datetimeFigureOut">
               <a:rPr lang="zh-CN" altLang="en-US" smtClean="0"/>
-              <a:t>2021/3/28 Sunday</a:t>
+              <a:t>2021/5/3 Monday</a:t>
             </a:fld>
             <a:endParaRPr lang="zh-CN" altLang="en-US"/>
           </a:p>
@@ -670,7 +670,7 @@
           <a:p>
             <a:fld id="{64CCC79A-9F7C-4306-A709-BF5D57071B81}" type="datetimeFigureOut">
               <a:rPr lang="zh-CN" altLang="en-US" smtClean="0"/>
-              <a:t>2021/3/28 Sunday</a:t>
+              <a:t>2021/5/3 Monday</a:t>
             </a:fld>
             <a:endParaRPr lang="zh-CN" altLang="en-US"/>
           </a:p>
@@ -868,7 +868,7 @@
           <a:p>
             <a:fld id="{64CCC79A-9F7C-4306-A709-BF5D57071B81}" type="datetimeFigureOut">
               <a:rPr lang="zh-CN" altLang="en-US" smtClean="0"/>
-              <a:t>2021/3/28 Sunday</a:t>
+              <a:t>2021/5/3 Monday</a:t>
             </a:fld>
             <a:endParaRPr lang="zh-CN" altLang="en-US"/>
           </a:p>
@@ -1143,7 +1143,7 @@
           <a:p>
             <a:fld id="{64CCC79A-9F7C-4306-A709-BF5D57071B81}" type="datetimeFigureOut">
               <a:rPr lang="zh-CN" altLang="en-US" smtClean="0"/>
-              <a:t>2021/3/28 Sunday</a:t>
+              <a:t>2021/5/3 Monday</a:t>
             </a:fld>
             <a:endParaRPr lang="zh-CN" altLang="en-US"/>
           </a:p>
@@ -1408,7 +1408,7 @@
           <a:p>
             <a:fld id="{64CCC79A-9F7C-4306-A709-BF5D57071B81}" type="datetimeFigureOut">
               <a:rPr lang="zh-CN" altLang="en-US" smtClean="0"/>
-              <a:t>2021/3/28 Sunday</a:t>
+              <a:t>2021/5/3 Monday</a:t>
             </a:fld>
             <a:endParaRPr lang="zh-CN" altLang="en-US"/>
           </a:p>
@@ -1820,7 +1820,7 @@
           <a:p>
             <a:fld id="{64CCC79A-9F7C-4306-A709-BF5D57071B81}" type="datetimeFigureOut">
               <a:rPr lang="zh-CN" altLang="en-US" smtClean="0"/>
-              <a:t>2021/3/28 Sunday</a:t>
+              <a:t>2021/5/3 Monday</a:t>
             </a:fld>
             <a:endParaRPr lang="zh-CN" altLang="en-US"/>
           </a:p>
@@ -1961,7 +1961,7 @@
           <a:p>
             <a:fld id="{64CCC79A-9F7C-4306-A709-BF5D57071B81}" type="datetimeFigureOut">
               <a:rPr lang="zh-CN" altLang="en-US" smtClean="0"/>
-              <a:t>2021/3/28 Sunday</a:t>
+              <a:t>2021/5/3 Monday</a:t>
             </a:fld>
             <a:endParaRPr lang="zh-CN" altLang="en-US"/>
           </a:p>
@@ -2074,7 +2074,7 @@
           <a:p>
             <a:fld id="{64CCC79A-9F7C-4306-A709-BF5D57071B81}" type="datetimeFigureOut">
               <a:rPr lang="zh-CN" altLang="en-US" smtClean="0"/>
-              <a:t>2021/3/28 Sunday</a:t>
+              <a:t>2021/5/3 Monday</a:t>
             </a:fld>
             <a:endParaRPr lang="zh-CN" altLang="en-US"/>
           </a:p>
@@ -2385,7 +2385,7 @@
           <a:p>
             <a:fld id="{64CCC79A-9F7C-4306-A709-BF5D57071B81}" type="datetimeFigureOut">
               <a:rPr lang="zh-CN" altLang="en-US" smtClean="0"/>
-              <a:t>2021/3/28 Sunday</a:t>
+              <a:t>2021/5/3 Monday</a:t>
             </a:fld>
             <a:endParaRPr lang="zh-CN" altLang="en-US"/>
           </a:p>
@@ -2673,7 +2673,7 @@
           <a:p>
             <a:fld id="{64CCC79A-9F7C-4306-A709-BF5D57071B81}" type="datetimeFigureOut">
               <a:rPr lang="zh-CN" altLang="en-US" smtClean="0"/>
-              <a:t>2021/3/28 Sunday</a:t>
+              <a:t>2021/5/3 Monday</a:t>
             </a:fld>
             <a:endParaRPr lang="zh-CN" altLang="en-US"/>
           </a:p>
@@ -2914,7 +2914,7 @@
           <a:p>
             <a:fld id="{64CCC79A-9F7C-4306-A709-BF5D57071B81}" type="datetimeFigureOut">
               <a:rPr lang="zh-CN" altLang="en-US" smtClean="0"/>
-              <a:t>2021/3/28 Sunday</a:t>
+              <a:t>2021/5/3 Monday</a:t>
             </a:fld>
             <a:endParaRPr lang="zh-CN" altLang="en-US"/>
           </a:p>
@@ -6246,6 +6246,869 @@
           <a:chExt cx="0" cy="0"/>
         </a:xfrm>
       </p:grpSpPr>
+      <p:grpSp>
+        <p:nvGrpSpPr>
+          <p:cNvPr id="24" name="组合 23">
+            <a:extLst>
+              <a:ext uri="{FF2B5EF4-FFF2-40B4-BE49-F238E27FC236}">
+                <a16:creationId xmlns:a16="http://schemas.microsoft.com/office/drawing/2014/main" id="{EF84E766-82A0-447A-ABB5-68AC32CD5BC4}"/>
+              </a:ext>
+            </a:extLst>
+          </p:cNvPr>
+          <p:cNvGrpSpPr/>
+          <p:nvPr/>
+        </p:nvGrpSpPr>
+        <p:grpSpPr>
+          <a:xfrm>
+            <a:off x="2641600" y="382535"/>
+            <a:ext cx="5392447" cy="6661936"/>
+            <a:chOff x="2641600" y="382535"/>
+            <a:chExt cx="5392447" cy="6661936"/>
+          </a:xfrm>
+        </p:grpSpPr>
+        <p:sp>
+          <p:nvSpPr>
+            <p:cNvPr id="2" name="矩形 1">
+              <a:extLst>
+                <a:ext uri="{FF2B5EF4-FFF2-40B4-BE49-F238E27FC236}">
+                  <a16:creationId xmlns:a16="http://schemas.microsoft.com/office/drawing/2014/main" id="{E474BC41-AB62-436A-8311-324110DB76FF}"/>
+                </a:ext>
+              </a:extLst>
+            </p:cNvPr>
+            <p:cNvSpPr/>
+            <p:nvPr/>
+          </p:nvSpPr>
+          <p:spPr>
+            <a:xfrm>
+              <a:off x="2641600" y="1636889"/>
+              <a:ext cx="530578" cy="2668893"/>
+            </a:xfrm>
+            <a:prstGeom prst="rect">
+              <a:avLst/>
+            </a:prstGeom>
+            <a:solidFill>
+              <a:schemeClr val="accent6">
+                <a:lumMod val="75000"/>
+                <a:alpha val="60000"/>
+              </a:schemeClr>
+            </a:solidFill>
+            <a:ln>
+              <a:noFill/>
+            </a:ln>
+          </p:spPr>
+          <p:style>
+            <a:lnRef idx="2">
+              <a:schemeClr val="accent1">
+                <a:shade val="50000"/>
+              </a:schemeClr>
+            </a:lnRef>
+            <a:fillRef idx="1">
+              <a:schemeClr val="accent1"/>
+            </a:fillRef>
+            <a:effectRef idx="0">
+              <a:schemeClr val="accent1"/>
+            </a:effectRef>
+            <a:fontRef idx="minor">
+              <a:schemeClr val="lt1"/>
+            </a:fontRef>
+          </p:style>
+          <p:txBody>
+            <a:bodyPr rtlCol="0" anchor="ctr"/>
+            <a:lstStyle/>
+            <a:p>
+              <a:pPr algn="ctr"/>
+              <a:endParaRPr lang="zh-CN" altLang="en-US" dirty="0"/>
+            </a:p>
+          </p:txBody>
+        </p:sp>
+        <p:sp>
+          <p:nvSpPr>
+            <p:cNvPr id="5" name="矩形 4">
+              <a:extLst>
+                <a:ext uri="{FF2B5EF4-FFF2-40B4-BE49-F238E27FC236}">
+                  <a16:creationId xmlns:a16="http://schemas.microsoft.com/office/drawing/2014/main" id="{C09E86E7-62B1-44DA-94F1-13B26D032C91}"/>
+                </a:ext>
+              </a:extLst>
+            </p:cNvPr>
+            <p:cNvSpPr/>
+            <p:nvPr/>
+          </p:nvSpPr>
+          <p:spPr>
+            <a:xfrm>
+              <a:off x="3627377" y="1636889"/>
+              <a:ext cx="530578" cy="2668893"/>
+            </a:xfrm>
+            <a:prstGeom prst="rect">
+              <a:avLst/>
+            </a:prstGeom>
+            <a:solidFill>
+              <a:schemeClr val="accent6">
+                <a:lumMod val="75000"/>
+                <a:alpha val="60000"/>
+              </a:schemeClr>
+            </a:solidFill>
+            <a:ln>
+              <a:noFill/>
+            </a:ln>
+          </p:spPr>
+          <p:style>
+            <a:lnRef idx="2">
+              <a:schemeClr val="accent1">
+                <a:shade val="50000"/>
+              </a:schemeClr>
+            </a:lnRef>
+            <a:fillRef idx="1">
+              <a:schemeClr val="accent1"/>
+            </a:fillRef>
+            <a:effectRef idx="0">
+              <a:schemeClr val="accent1"/>
+            </a:effectRef>
+            <a:fontRef idx="minor">
+              <a:schemeClr val="lt1"/>
+            </a:fontRef>
+          </p:style>
+          <p:txBody>
+            <a:bodyPr rtlCol="0" anchor="ctr"/>
+            <a:lstStyle/>
+            <a:p>
+              <a:pPr algn="ctr"/>
+              <a:endParaRPr lang="zh-CN" altLang="en-US"/>
+            </a:p>
+          </p:txBody>
+        </p:sp>
+        <p:sp>
+          <p:nvSpPr>
+            <p:cNvPr id="6" name="矩形 5">
+              <a:extLst>
+                <a:ext uri="{FF2B5EF4-FFF2-40B4-BE49-F238E27FC236}">
+                  <a16:creationId xmlns:a16="http://schemas.microsoft.com/office/drawing/2014/main" id="{2957D3D4-D759-4C77-BC24-C97F0B24DB61}"/>
+                </a:ext>
+              </a:extLst>
+            </p:cNvPr>
+            <p:cNvSpPr/>
+            <p:nvPr/>
+          </p:nvSpPr>
+          <p:spPr>
+            <a:xfrm>
+              <a:off x="5393733" y="1636889"/>
+              <a:ext cx="530578" cy="2668893"/>
+            </a:xfrm>
+            <a:prstGeom prst="rect">
+              <a:avLst/>
+            </a:prstGeom>
+            <a:solidFill>
+              <a:schemeClr val="accent6">
+                <a:lumMod val="75000"/>
+                <a:alpha val="60000"/>
+              </a:schemeClr>
+            </a:solidFill>
+            <a:ln>
+              <a:noFill/>
+            </a:ln>
+          </p:spPr>
+          <p:style>
+            <a:lnRef idx="2">
+              <a:schemeClr val="accent1">
+                <a:shade val="50000"/>
+              </a:schemeClr>
+            </a:lnRef>
+            <a:fillRef idx="1">
+              <a:schemeClr val="accent1"/>
+            </a:fillRef>
+            <a:effectRef idx="0">
+              <a:schemeClr val="accent1"/>
+            </a:effectRef>
+            <a:fontRef idx="minor">
+              <a:schemeClr val="lt1"/>
+            </a:fontRef>
+          </p:style>
+          <p:txBody>
+            <a:bodyPr rtlCol="0" anchor="ctr"/>
+            <a:lstStyle/>
+            <a:p>
+              <a:pPr algn="ctr"/>
+              <a:endParaRPr lang="zh-CN" altLang="en-US"/>
+            </a:p>
+          </p:txBody>
+        </p:sp>
+        <p:sp>
+          <p:nvSpPr>
+            <p:cNvPr id="7" name="文本框 6">
+              <a:extLst>
+                <a:ext uri="{FF2B5EF4-FFF2-40B4-BE49-F238E27FC236}">
+                  <a16:creationId xmlns:a16="http://schemas.microsoft.com/office/drawing/2014/main" id="{72273D91-5CFE-4F71-8758-BE103A3FA222}"/>
+                </a:ext>
+              </a:extLst>
+            </p:cNvPr>
+            <p:cNvSpPr txBox="1"/>
+            <p:nvPr/>
+          </p:nvSpPr>
+          <p:spPr>
+            <a:xfrm>
+              <a:off x="4297034" y="2844225"/>
+              <a:ext cx="1055868" cy="584775"/>
+            </a:xfrm>
+            <a:prstGeom prst="rect">
+              <a:avLst/>
+            </a:prstGeom>
+            <a:noFill/>
+          </p:spPr>
+          <p:txBody>
+            <a:bodyPr wrap="square" rtlCol="0">
+              <a:spAutoFit/>
+            </a:bodyPr>
+            <a:lstStyle/>
+            <a:p>
+              <a:r>
+                <a:rPr lang="en-US" altLang="zh-CN" sz="3200" b="1" dirty="0"/>
+                <a:t>……</a:t>
+              </a:r>
+              <a:endParaRPr lang="zh-CN" altLang="en-US" sz="3200" b="1" dirty="0"/>
+            </a:p>
+          </p:txBody>
+        </p:sp>
+        <p:sp>
+          <p:nvSpPr>
+            <p:cNvPr id="8" name="箭头: 右 7">
+              <a:extLst>
+                <a:ext uri="{FF2B5EF4-FFF2-40B4-BE49-F238E27FC236}">
+                  <a16:creationId xmlns:a16="http://schemas.microsoft.com/office/drawing/2014/main" id="{15BCE407-4DEF-4843-A71C-4527ED82C66B}"/>
+                </a:ext>
+              </a:extLst>
+            </p:cNvPr>
+            <p:cNvSpPr/>
+            <p:nvPr/>
+          </p:nvSpPr>
+          <p:spPr>
+            <a:xfrm rot="5400000">
+              <a:off x="4182955" y="729672"/>
+              <a:ext cx="400561" cy="1024664"/>
+            </a:xfrm>
+            <a:prstGeom prst="rightArrow">
+              <a:avLst/>
+            </a:prstGeom>
+            <a:gradFill flip="none" rotWithShape="1">
+              <a:gsLst>
+                <a:gs pos="0">
+                  <a:schemeClr val="accent4">
+                    <a:lumMod val="40000"/>
+                    <a:lumOff val="60000"/>
+                  </a:schemeClr>
+                </a:gs>
+                <a:gs pos="46000">
+                  <a:schemeClr val="accent4">
+                    <a:lumMod val="95000"/>
+                    <a:lumOff val="5000"/>
+                  </a:schemeClr>
+                </a:gs>
+                <a:gs pos="84000">
+                  <a:schemeClr val="accent4">
+                    <a:lumMod val="60000"/>
+                  </a:schemeClr>
+                </a:gs>
+              </a:gsLst>
+              <a:lin ang="10800000" scaled="0"/>
+              <a:tileRect/>
+            </a:gradFill>
+            <a:ln>
+              <a:noFill/>
+            </a:ln>
+          </p:spPr>
+          <p:style>
+            <a:lnRef idx="2">
+              <a:schemeClr val="accent1">
+                <a:shade val="50000"/>
+              </a:schemeClr>
+            </a:lnRef>
+            <a:fillRef idx="1">
+              <a:schemeClr val="accent1"/>
+            </a:fillRef>
+            <a:effectRef idx="0">
+              <a:schemeClr val="accent1"/>
+            </a:effectRef>
+            <a:fontRef idx="minor">
+              <a:schemeClr val="lt1"/>
+            </a:fontRef>
+          </p:style>
+          <p:txBody>
+            <a:bodyPr rtlCol="0" anchor="ctr"/>
+            <a:lstStyle/>
+            <a:p>
+              <a:pPr algn="ctr"/>
+              <a:endParaRPr lang="zh-CN" altLang="en-US"/>
+            </a:p>
+          </p:txBody>
+        </p:sp>
+        <p:sp>
+          <p:nvSpPr>
+            <p:cNvPr id="9" name="文本框 8">
+              <a:extLst>
+                <a:ext uri="{FF2B5EF4-FFF2-40B4-BE49-F238E27FC236}">
+                  <a16:creationId xmlns:a16="http://schemas.microsoft.com/office/drawing/2014/main" id="{40BAD1C0-E9C5-4134-8CDD-1CAD9C45B63B}"/>
+                </a:ext>
+              </a:extLst>
+            </p:cNvPr>
+            <p:cNvSpPr txBox="1"/>
+            <p:nvPr/>
+          </p:nvSpPr>
+          <p:spPr>
+            <a:xfrm>
+              <a:off x="2687614" y="2502898"/>
+              <a:ext cx="492443" cy="1267428"/>
+            </a:xfrm>
+            <a:prstGeom prst="rect">
+              <a:avLst/>
+            </a:prstGeom>
+            <a:noFill/>
+          </p:spPr>
+          <p:txBody>
+            <a:bodyPr vert="eaVert" wrap="square" rtlCol="0">
+              <a:spAutoFit/>
+            </a:bodyPr>
+            <a:lstStyle/>
+            <a:p>
+              <a:r>
+                <a:rPr lang="en-US" altLang="zh-CN" sz="2000" dirty="0">
+                  <a:solidFill>
+                    <a:schemeClr val="bg1"/>
+                  </a:solidFill>
+                </a:rPr>
+                <a:t>Queue #1</a:t>
+              </a:r>
+              <a:endParaRPr lang="zh-CN" altLang="en-US" sz="2000" dirty="0">
+                <a:solidFill>
+                  <a:schemeClr val="bg1"/>
+                </a:solidFill>
+              </a:endParaRPr>
+            </a:p>
+          </p:txBody>
+        </p:sp>
+        <p:sp>
+          <p:nvSpPr>
+            <p:cNvPr id="10" name="文本框 9">
+              <a:extLst>
+                <a:ext uri="{FF2B5EF4-FFF2-40B4-BE49-F238E27FC236}">
+                  <a16:creationId xmlns:a16="http://schemas.microsoft.com/office/drawing/2014/main" id="{EF025D9C-D14C-449E-BD01-E4DFCFE0999C}"/>
+                </a:ext>
+              </a:extLst>
+            </p:cNvPr>
+            <p:cNvSpPr txBox="1"/>
+            <p:nvPr/>
+          </p:nvSpPr>
+          <p:spPr>
+            <a:xfrm>
+              <a:off x="3624681" y="2502898"/>
+              <a:ext cx="492443" cy="1267428"/>
+            </a:xfrm>
+            <a:prstGeom prst="rect">
+              <a:avLst/>
+            </a:prstGeom>
+            <a:noFill/>
+          </p:spPr>
+          <p:txBody>
+            <a:bodyPr vert="eaVert" wrap="square" rtlCol="0">
+              <a:spAutoFit/>
+            </a:bodyPr>
+            <a:lstStyle/>
+            <a:p>
+              <a:r>
+                <a:rPr lang="en-US" altLang="zh-CN" sz="2000" dirty="0">
+                  <a:solidFill>
+                    <a:schemeClr val="bg1"/>
+                  </a:solidFill>
+                </a:rPr>
+                <a:t>Queue #2</a:t>
+              </a:r>
+              <a:endParaRPr lang="zh-CN" altLang="en-US" sz="2000" dirty="0">
+                <a:solidFill>
+                  <a:schemeClr val="bg1"/>
+                </a:solidFill>
+              </a:endParaRPr>
+            </a:p>
+          </p:txBody>
+        </p:sp>
+        <p:sp>
+          <p:nvSpPr>
+            <p:cNvPr id="11" name="文本框 10">
+              <a:extLst>
+                <a:ext uri="{FF2B5EF4-FFF2-40B4-BE49-F238E27FC236}">
+                  <a16:creationId xmlns:a16="http://schemas.microsoft.com/office/drawing/2014/main" id="{5EA8BDF1-D8AF-42E2-844E-FA899D635F0A}"/>
+                </a:ext>
+              </a:extLst>
+            </p:cNvPr>
+            <p:cNvSpPr txBox="1"/>
+            <p:nvPr/>
+          </p:nvSpPr>
+          <p:spPr>
+            <a:xfrm>
+              <a:off x="5412800" y="2502898"/>
+              <a:ext cx="492443" cy="1267428"/>
+            </a:xfrm>
+            <a:prstGeom prst="rect">
+              <a:avLst/>
+            </a:prstGeom>
+            <a:noFill/>
+          </p:spPr>
+          <p:txBody>
+            <a:bodyPr vert="eaVert" wrap="square" rtlCol="0">
+              <a:spAutoFit/>
+            </a:bodyPr>
+            <a:lstStyle/>
+            <a:p>
+              <a:r>
+                <a:rPr lang="en-US" altLang="zh-CN" sz="2000" dirty="0">
+                  <a:solidFill>
+                    <a:schemeClr val="bg1"/>
+                  </a:solidFill>
+                </a:rPr>
+                <a:t>Queue #n</a:t>
+              </a:r>
+              <a:endParaRPr lang="zh-CN" altLang="en-US" sz="2000" dirty="0">
+                <a:solidFill>
+                  <a:schemeClr val="bg1"/>
+                </a:solidFill>
+              </a:endParaRPr>
+            </a:p>
+          </p:txBody>
+        </p:sp>
+        <p:sp>
+          <p:nvSpPr>
+            <p:cNvPr id="12" name="文本框 11">
+              <a:extLst>
+                <a:ext uri="{FF2B5EF4-FFF2-40B4-BE49-F238E27FC236}">
+                  <a16:creationId xmlns:a16="http://schemas.microsoft.com/office/drawing/2014/main" id="{A6168EA6-D9F0-44E1-A29C-0CE50635243E}"/>
+                </a:ext>
+              </a:extLst>
+            </p:cNvPr>
+            <p:cNvSpPr txBox="1"/>
+            <p:nvPr/>
+          </p:nvSpPr>
+          <p:spPr>
+            <a:xfrm>
+              <a:off x="3295215" y="382535"/>
+              <a:ext cx="2176040" cy="646331"/>
+            </a:xfrm>
+            <a:prstGeom prst="rect">
+              <a:avLst/>
+            </a:prstGeom>
+            <a:noFill/>
+          </p:spPr>
+          <p:txBody>
+            <a:bodyPr wrap="square" rtlCol="0">
+              <a:spAutoFit/>
+            </a:bodyPr>
+            <a:lstStyle/>
+            <a:p>
+              <a:r>
+                <a:rPr lang="en-US" altLang="zh-CN" dirty="0"/>
+                <a:t>Query</a:t>
+              </a:r>
+              <a:r>
+                <a:rPr lang="zh-CN" altLang="en-US" dirty="0"/>
+                <a:t>分析后的结果进行多队列召回</a:t>
+              </a:r>
+            </a:p>
+          </p:txBody>
+        </p:sp>
+        <p:sp>
+          <p:nvSpPr>
+            <p:cNvPr id="14" name="文本框 13">
+              <a:extLst>
+                <a:ext uri="{FF2B5EF4-FFF2-40B4-BE49-F238E27FC236}">
+                  <a16:creationId xmlns:a16="http://schemas.microsoft.com/office/drawing/2014/main" id="{42848857-778D-4515-A678-71D2025D768F}"/>
+                </a:ext>
+              </a:extLst>
+            </p:cNvPr>
+            <p:cNvSpPr txBox="1"/>
+            <p:nvPr/>
+          </p:nvSpPr>
+          <p:spPr>
+            <a:xfrm>
+              <a:off x="3734252" y="4934748"/>
+              <a:ext cx="1502903" cy="646331"/>
+            </a:xfrm>
+            <a:prstGeom prst="rect">
+              <a:avLst/>
+            </a:prstGeom>
+            <a:noFill/>
+          </p:spPr>
+          <p:txBody>
+            <a:bodyPr wrap="square" rtlCol="0">
+              <a:spAutoFit/>
+            </a:bodyPr>
+            <a:lstStyle/>
+            <a:p>
+              <a:r>
+                <a:rPr lang="zh-CN" altLang="en-US" dirty="0"/>
+                <a:t>多队列分别队列内排序</a:t>
+              </a:r>
+            </a:p>
+          </p:txBody>
+        </p:sp>
+        <p:sp>
+          <p:nvSpPr>
+            <p:cNvPr id="15" name="箭头: 右 14">
+              <a:extLst>
+                <a:ext uri="{FF2B5EF4-FFF2-40B4-BE49-F238E27FC236}">
+                  <a16:creationId xmlns:a16="http://schemas.microsoft.com/office/drawing/2014/main" id="{BE1CF20D-AC17-42F8-B7EA-2EF521E66D64}"/>
+                </a:ext>
+              </a:extLst>
+            </p:cNvPr>
+            <p:cNvSpPr/>
+            <p:nvPr/>
+          </p:nvSpPr>
+          <p:spPr>
+            <a:xfrm rot="5400000">
+              <a:off x="4182953" y="4135944"/>
+              <a:ext cx="400561" cy="1024664"/>
+            </a:xfrm>
+            <a:prstGeom prst="rightArrow">
+              <a:avLst/>
+            </a:prstGeom>
+            <a:gradFill flip="none" rotWithShape="1">
+              <a:gsLst>
+                <a:gs pos="0">
+                  <a:schemeClr val="accent4">
+                    <a:lumMod val="40000"/>
+                    <a:lumOff val="60000"/>
+                  </a:schemeClr>
+                </a:gs>
+                <a:gs pos="46000">
+                  <a:schemeClr val="accent4">
+                    <a:lumMod val="95000"/>
+                    <a:lumOff val="5000"/>
+                  </a:schemeClr>
+                </a:gs>
+                <a:gs pos="84000">
+                  <a:schemeClr val="accent4">
+                    <a:lumMod val="60000"/>
+                  </a:schemeClr>
+                </a:gs>
+              </a:gsLst>
+              <a:lin ang="10800000" scaled="0"/>
+              <a:tileRect/>
+            </a:gradFill>
+            <a:ln>
+              <a:noFill/>
+            </a:ln>
+          </p:spPr>
+          <p:style>
+            <a:lnRef idx="2">
+              <a:schemeClr val="accent1">
+                <a:shade val="50000"/>
+              </a:schemeClr>
+            </a:lnRef>
+            <a:fillRef idx="1">
+              <a:schemeClr val="accent1"/>
+            </a:fillRef>
+            <a:effectRef idx="0">
+              <a:schemeClr val="accent1"/>
+            </a:effectRef>
+            <a:fontRef idx="minor">
+              <a:schemeClr val="lt1"/>
+            </a:fontRef>
+          </p:style>
+          <p:txBody>
+            <a:bodyPr rtlCol="0" anchor="ctr"/>
+            <a:lstStyle/>
+            <a:p>
+              <a:pPr algn="ctr"/>
+              <a:endParaRPr lang="zh-CN" altLang="en-US"/>
+            </a:p>
+          </p:txBody>
+        </p:sp>
+        <p:sp>
+          <p:nvSpPr>
+            <p:cNvPr id="16" name="箭头: 右 15">
+              <a:extLst>
+                <a:ext uri="{FF2B5EF4-FFF2-40B4-BE49-F238E27FC236}">
+                  <a16:creationId xmlns:a16="http://schemas.microsoft.com/office/drawing/2014/main" id="{AA8EADC0-1862-4905-A079-9074C73578DE}"/>
+                </a:ext>
+              </a:extLst>
+            </p:cNvPr>
+            <p:cNvSpPr/>
+            <p:nvPr/>
+          </p:nvSpPr>
+          <p:spPr>
+            <a:xfrm rot="5400000">
+              <a:off x="4164719" y="5355220"/>
+              <a:ext cx="400561" cy="1024664"/>
+            </a:xfrm>
+            <a:prstGeom prst="rightArrow">
+              <a:avLst/>
+            </a:prstGeom>
+            <a:gradFill flip="none" rotWithShape="1">
+              <a:gsLst>
+                <a:gs pos="0">
+                  <a:schemeClr val="accent4">
+                    <a:lumMod val="40000"/>
+                    <a:lumOff val="60000"/>
+                  </a:schemeClr>
+                </a:gs>
+                <a:gs pos="46000">
+                  <a:schemeClr val="accent4">
+                    <a:lumMod val="95000"/>
+                    <a:lumOff val="5000"/>
+                  </a:schemeClr>
+                </a:gs>
+                <a:gs pos="84000">
+                  <a:schemeClr val="accent4">
+                    <a:lumMod val="60000"/>
+                  </a:schemeClr>
+                </a:gs>
+              </a:gsLst>
+              <a:lin ang="10800000" scaled="0"/>
+              <a:tileRect/>
+            </a:gradFill>
+            <a:ln>
+              <a:noFill/>
+            </a:ln>
+          </p:spPr>
+          <p:style>
+            <a:lnRef idx="2">
+              <a:schemeClr val="accent1">
+                <a:shade val="50000"/>
+              </a:schemeClr>
+            </a:lnRef>
+            <a:fillRef idx="1">
+              <a:schemeClr val="accent1"/>
+            </a:fillRef>
+            <a:effectRef idx="0">
+              <a:schemeClr val="accent1"/>
+            </a:effectRef>
+            <a:fontRef idx="minor">
+              <a:schemeClr val="lt1"/>
+            </a:fontRef>
+          </p:style>
+          <p:txBody>
+            <a:bodyPr rtlCol="0" anchor="ctr"/>
+            <a:lstStyle/>
+            <a:p>
+              <a:pPr algn="ctr"/>
+              <a:endParaRPr lang="zh-CN" altLang="en-US"/>
+            </a:p>
+          </p:txBody>
+        </p:sp>
+        <p:sp>
+          <p:nvSpPr>
+            <p:cNvPr id="17" name="文本框 16">
+              <a:extLst>
+                <a:ext uri="{FF2B5EF4-FFF2-40B4-BE49-F238E27FC236}">
+                  <a16:creationId xmlns:a16="http://schemas.microsoft.com/office/drawing/2014/main" id="{F6F590F9-D2A9-4FA7-AF91-EBA089427472}"/>
+                </a:ext>
+              </a:extLst>
+            </p:cNvPr>
+            <p:cNvSpPr txBox="1"/>
+            <p:nvPr/>
+          </p:nvSpPr>
+          <p:spPr>
+            <a:xfrm>
+              <a:off x="3683800" y="6121141"/>
+              <a:ext cx="1737004" cy="923330"/>
+            </a:xfrm>
+            <a:prstGeom prst="rect">
+              <a:avLst/>
+            </a:prstGeom>
+            <a:noFill/>
+          </p:spPr>
+          <p:txBody>
+            <a:bodyPr wrap="square" rtlCol="0">
+              <a:spAutoFit/>
+            </a:bodyPr>
+            <a:lstStyle/>
+            <a:p>
+              <a:r>
+                <a:rPr lang="zh-CN" altLang="en-US" dirty="0"/>
+                <a:t>多队列间组合与</a:t>
+              </a:r>
+              <a:r>
+                <a:rPr lang="en-US" altLang="zh-CN" dirty="0"/>
+                <a:t>PK</a:t>
+              </a:r>
+              <a:r>
+                <a:rPr lang="zh-CN" altLang="en-US" dirty="0"/>
+                <a:t>得到最终排序结果</a:t>
+              </a:r>
+            </a:p>
+          </p:txBody>
+        </p:sp>
+        <p:sp>
+          <p:nvSpPr>
+            <p:cNvPr id="18" name="矩形 17">
+              <a:extLst>
+                <a:ext uri="{FF2B5EF4-FFF2-40B4-BE49-F238E27FC236}">
+                  <a16:creationId xmlns:a16="http://schemas.microsoft.com/office/drawing/2014/main" id="{232B08D4-7013-489C-9C34-BD4ACB75F50C}"/>
+                </a:ext>
+              </a:extLst>
+            </p:cNvPr>
+            <p:cNvSpPr/>
+            <p:nvPr/>
+          </p:nvSpPr>
+          <p:spPr>
+            <a:xfrm>
+              <a:off x="7503469" y="1636888"/>
+              <a:ext cx="530578" cy="2668893"/>
+            </a:xfrm>
+            <a:prstGeom prst="rect">
+              <a:avLst/>
+            </a:prstGeom>
+            <a:solidFill>
+              <a:schemeClr val="accent6">
+                <a:lumMod val="75000"/>
+                <a:alpha val="60000"/>
+              </a:schemeClr>
+            </a:solidFill>
+            <a:ln>
+              <a:noFill/>
+            </a:ln>
+          </p:spPr>
+          <p:style>
+            <a:lnRef idx="2">
+              <a:schemeClr val="accent1">
+                <a:shade val="50000"/>
+              </a:schemeClr>
+            </a:lnRef>
+            <a:fillRef idx="1">
+              <a:schemeClr val="accent1"/>
+            </a:fillRef>
+            <a:effectRef idx="0">
+              <a:schemeClr val="accent1"/>
+            </a:effectRef>
+            <a:fontRef idx="minor">
+              <a:schemeClr val="lt1"/>
+            </a:fontRef>
+          </p:style>
+          <p:txBody>
+            <a:bodyPr rtlCol="0" anchor="ctr"/>
+            <a:lstStyle/>
+            <a:p>
+              <a:pPr algn="ctr"/>
+              <a:endParaRPr lang="zh-CN" altLang="en-US"/>
+            </a:p>
+          </p:txBody>
+        </p:sp>
+        <p:sp>
+          <p:nvSpPr>
+            <p:cNvPr id="19" name="文本框 18">
+              <a:extLst>
+                <a:ext uri="{FF2B5EF4-FFF2-40B4-BE49-F238E27FC236}">
+                  <a16:creationId xmlns:a16="http://schemas.microsoft.com/office/drawing/2014/main" id="{A35EE5D1-3D35-4629-8686-24B6F324328C}"/>
+                </a:ext>
+              </a:extLst>
+            </p:cNvPr>
+            <p:cNvSpPr txBox="1"/>
+            <p:nvPr/>
+          </p:nvSpPr>
+          <p:spPr>
+            <a:xfrm>
+              <a:off x="7511348" y="2152531"/>
+              <a:ext cx="492443" cy="1968161"/>
+            </a:xfrm>
+            <a:prstGeom prst="rect">
+              <a:avLst/>
+            </a:prstGeom>
+            <a:noFill/>
+          </p:spPr>
+          <p:txBody>
+            <a:bodyPr vert="eaVert" wrap="square" rtlCol="0">
+              <a:spAutoFit/>
+            </a:bodyPr>
+            <a:lstStyle/>
+            <a:p>
+              <a:r>
+                <a:rPr lang="en-US" altLang="zh-CN" sz="2000" dirty="0">
+                  <a:solidFill>
+                    <a:schemeClr val="bg1"/>
+                  </a:solidFill>
+                </a:rPr>
+                <a:t>Queue #(n+1)</a:t>
+              </a:r>
+              <a:endParaRPr lang="zh-CN" altLang="en-US" sz="2000" dirty="0">
+                <a:solidFill>
+                  <a:schemeClr val="bg1"/>
+                </a:solidFill>
+              </a:endParaRPr>
+            </a:p>
+          </p:txBody>
+        </p:sp>
+        <p:cxnSp>
+          <p:nvCxnSpPr>
+            <p:cNvPr id="22" name="直接箭头连接符 21">
+              <a:extLst>
+                <a:ext uri="{FF2B5EF4-FFF2-40B4-BE49-F238E27FC236}">
+                  <a16:creationId xmlns:a16="http://schemas.microsoft.com/office/drawing/2014/main" id="{B1B1877D-B4C1-4C75-88A9-3C4A9DC61C19}"/>
+                </a:ext>
+              </a:extLst>
+            </p:cNvPr>
+            <p:cNvCxnSpPr/>
+            <p:nvPr/>
+          </p:nvCxnSpPr>
+          <p:spPr>
+            <a:xfrm flipH="1">
+              <a:off x="6331352" y="2997844"/>
+              <a:ext cx="787078" cy="0"/>
+            </a:xfrm>
+            <a:prstGeom prst="straightConnector1">
+              <a:avLst/>
+            </a:prstGeom>
+            <a:ln w="38100">
+              <a:solidFill>
+                <a:schemeClr val="accent1"/>
+              </a:solidFill>
+              <a:tailEnd type="triangle"/>
+            </a:ln>
+          </p:spPr>
+          <p:style>
+            <a:lnRef idx="1">
+              <a:schemeClr val="accent1"/>
+            </a:lnRef>
+            <a:fillRef idx="0">
+              <a:schemeClr val="accent1"/>
+            </a:fillRef>
+            <a:effectRef idx="0">
+              <a:schemeClr val="accent1"/>
+            </a:effectRef>
+            <a:fontRef idx="minor">
+              <a:schemeClr val="tx1"/>
+            </a:fontRef>
+          </p:style>
+        </p:cxnSp>
+        <p:sp>
+          <p:nvSpPr>
+            <p:cNvPr id="23" name="文本框 22">
+              <a:extLst>
+                <a:ext uri="{FF2B5EF4-FFF2-40B4-BE49-F238E27FC236}">
+                  <a16:creationId xmlns:a16="http://schemas.microsoft.com/office/drawing/2014/main" id="{2C6BB09E-B3DC-4CC4-AD6E-8F05C15233CA}"/>
+                </a:ext>
+              </a:extLst>
+            </p:cNvPr>
+            <p:cNvSpPr txBox="1"/>
+            <p:nvPr/>
+          </p:nvSpPr>
+          <p:spPr>
+            <a:xfrm>
+              <a:off x="6084425" y="1943932"/>
+              <a:ext cx="1502903" cy="923330"/>
+            </a:xfrm>
+            <a:prstGeom prst="rect">
+              <a:avLst/>
+            </a:prstGeom>
+            <a:noFill/>
+          </p:spPr>
+          <p:txBody>
+            <a:bodyPr wrap="square" rtlCol="0">
+              <a:spAutoFit/>
+            </a:bodyPr>
+            <a:lstStyle/>
+            <a:p>
+              <a:r>
+                <a:rPr lang="zh-CN" altLang="en-US" dirty="0"/>
+                <a:t>根据需求可以添加新的队列</a:t>
+              </a:r>
+            </a:p>
+          </p:txBody>
+        </p:sp>
+      </p:grpSp>
     </p:spTree>
     <p:extLst>
       <p:ext uri="{BB962C8B-B14F-4D97-AF65-F5344CB8AC3E}">
